--- a/Záró Dolgozat Sőregi Dávid/Virtuálisó_Labdarúgás_Záró_Dolgozat_Védés.pptx
+++ b/Záró Dolgozat Sőregi Dávid/Virtuálisó_Labdarúgás_Záró_Dolgozat_Védés.pptx
@@ -43,14 +43,14 @@
       <p:regular r:id="rId19"/>
     </p:embeddedFont>
     <p:embeddedFont>
-      <p:font typeface="Roboto" panose="02000000000000000000" pitchFamily="2" charset="0"/>
+      <p:font typeface="Roboto" panose="020B0604020202020204" charset="0"/>
       <p:regular r:id="rId20"/>
       <p:bold r:id="rId21"/>
       <p:italic r:id="rId22"/>
       <p:boldItalic r:id="rId23"/>
     </p:embeddedFont>
     <p:embeddedFont>
-      <p:font typeface="Roboto Bold" panose="02000000000000000000" charset="0"/>
+      <p:font typeface="Roboto Bold" panose="020B0604020202020204" charset="0"/>
       <p:regular r:id="rId24"/>
     </p:embeddedFont>
   </p:embeddedFontLst>
@@ -348,7 +348,7 @@
             <a:fld id="{1D8BD707-D9CF-40AE-B4C6-C98DA3205C09}" type="datetimeFigureOut">
               <a:rPr lang="en-US" smtClean="0"/>
               <a:pPr/>
-              <a:t>4/26/2023</a:t>
+              <a:t>4/27/2023</a:t>
             </a:fld>
             <a:endParaRPr lang="en-US"/>
           </a:p>
@@ -513,7 +513,7 @@
             <a:fld id="{1D8BD707-D9CF-40AE-B4C6-C98DA3205C09}" type="datetimeFigureOut">
               <a:rPr lang="en-US" smtClean="0"/>
               <a:pPr/>
-              <a:t>4/26/2023</a:t>
+              <a:t>4/27/2023</a:t>
             </a:fld>
             <a:endParaRPr lang="en-US"/>
           </a:p>
@@ -688,7 +688,7 @@
             <a:fld id="{1D8BD707-D9CF-40AE-B4C6-C98DA3205C09}" type="datetimeFigureOut">
               <a:rPr lang="en-US" smtClean="0"/>
               <a:pPr/>
-              <a:t>4/26/2023</a:t>
+              <a:t>4/27/2023</a:t>
             </a:fld>
             <a:endParaRPr lang="en-US"/>
           </a:p>
@@ -853,7 +853,7 @@
             <a:fld id="{1D8BD707-D9CF-40AE-B4C6-C98DA3205C09}" type="datetimeFigureOut">
               <a:rPr lang="en-US" smtClean="0"/>
               <a:pPr/>
-              <a:t>4/26/2023</a:t>
+              <a:t>4/27/2023</a:t>
             </a:fld>
             <a:endParaRPr lang="en-US"/>
           </a:p>
@@ -1095,7 +1095,7 @@
             <a:fld id="{1D8BD707-D9CF-40AE-B4C6-C98DA3205C09}" type="datetimeFigureOut">
               <a:rPr lang="en-US" smtClean="0"/>
               <a:pPr/>
-              <a:t>4/26/2023</a:t>
+              <a:t>4/27/2023</a:t>
             </a:fld>
             <a:endParaRPr lang="en-US"/>
           </a:p>
@@ -1377,7 +1377,7 @@
             <a:fld id="{1D8BD707-D9CF-40AE-B4C6-C98DA3205C09}" type="datetimeFigureOut">
               <a:rPr lang="en-US" smtClean="0"/>
               <a:pPr/>
-              <a:t>4/26/2023</a:t>
+              <a:t>4/27/2023</a:t>
             </a:fld>
             <a:endParaRPr lang="en-US"/>
           </a:p>
@@ -1793,7 +1793,7 @@
             <a:fld id="{1D8BD707-D9CF-40AE-B4C6-C98DA3205C09}" type="datetimeFigureOut">
               <a:rPr lang="en-US" smtClean="0"/>
               <a:pPr/>
-              <a:t>4/26/2023</a:t>
+              <a:t>4/27/2023</a:t>
             </a:fld>
             <a:endParaRPr lang="en-US"/>
           </a:p>
@@ -1907,7 +1907,7 @@
             <a:fld id="{1D8BD707-D9CF-40AE-B4C6-C98DA3205C09}" type="datetimeFigureOut">
               <a:rPr lang="en-US" smtClean="0"/>
               <a:pPr/>
-              <a:t>4/26/2023</a:t>
+              <a:t>4/27/2023</a:t>
             </a:fld>
             <a:endParaRPr lang="en-US"/>
           </a:p>
@@ -1999,7 +1999,7 @@
             <a:fld id="{1D8BD707-D9CF-40AE-B4C6-C98DA3205C09}" type="datetimeFigureOut">
               <a:rPr lang="en-US" smtClean="0"/>
               <a:pPr/>
-              <a:t>4/26/2023</a:t>
+              <a:t>4/27/2023</a:t>
             </a:fld>
             <a:endParaRPr lang="en-US"/>
           </a:p>
@@ -2271,7 +2271,7 @@
             <a:fld id="{1D8BD707-D9CF-40AE-B4C6-C98DA3205C09}" type="datetimeFigureOut">
               <a:rPr lang="en-US" smtClean="0"/>
               <a:pPr/>
-              <a:t>4/26/2023</a:t>
+              <a:t>4/27/2023</a:t>
             </a:fld>
             <a:endParaRPr lang="en-US"/>
           </a:p>
@@ -2520,7 +2520,7 @@
             <a:fld id="{1D8BD707-D9CF-40AE-B4C6-C98DA3205C09}" type="datetimeFigureOut">
               <a:rPr lang="en-US" smtClean="0"/>
               <a:pPr/>
-              <a:t>4/26/2023</a:t>
+              <a:t>4/27/2023</a:t>
             </a:fld>
             <a:endParaRPr lang="en-US"/>
           </a:p>
@@ -2728,7 +2728,7 @@
             <a:fld id="{1D8BD707-D9CF-40AE-B4C6-C98DA3205C09}" type="datetimeFigureOut">
               <a:rPr lang="en-US" smtClean="0"/>
               <a:pPr/>
-              <a:t>4/26/2023</a:t>
+              <a:t>4/27/2023</a:t>
             </a:fld>
             <a:endParaRPr lang="en-US"/>
           </a:p>
@@ -3356,13 +3356,58 @@
               </a:lnSpc>
             </a:pPr>
             <a:r>
-              <a:rPr lang="en-US" sz="3000">
+              <a:rPr lang="en-US" sz="3000" dirty="0" err="1">
                 <a:solidFill>
                   <a:srgbClr val="343F56"/>
                 </a:solidFill>
                 <a:latin typeface="Roboto"/>
               </a:rPr>
-              <a:t>Konzulens Tanár: Beke Béla</a:t>
+              <a:t>Konzulens</a:t>
+            </a:r>
+            <a:r>
+              <a:rPr lang="en-US" sz="3000" dirty="0">
+                <a:solidFill>
+                  <a:srgbClr val="343F56"/>
+                </a:solidFill>
+                <a:latin typeface="Roboto"/>
+              </a:rPr>
+              <a:t> </a:t>
+            </a:r>
+            <a:r>
+              <a:rPr lang="en-US" sz="3000" dirty="0" err="1">
+                <a:solidFill>
+                  <a:srgbClr val="343F56"/>
+                </a:solidFill>
+                <a:latin typeface="Roboto"/>
+              </a:rPr>
+              <a:t>Tanár</a:t>
+            </a:r>
+            <a:r>
+              <a:rPr lang="en-US" sz="3000" dirty="0">
+                <a:solidFill>
+                  <a:srgbClr val="343F56"/>
+                </a:solidFill>
+                <a:latin typeface="Roboto"/>
+              </a:rPr>
+              <a:t>: </a:t>
+            </a:r>
+            <a:r>
+              <a:rPr lang="en-US" sz="3000" dirty="0" err="1">
+                <a:solidFill>
+                  <a:srgbClr val="343F56"/>
+                </a:solidFill>
+                <a:latin typeface="Roboto"/>
+              </a:rPr>
+              <a:t>Beke</a:t>
+            </a:r>
+            <a:r>
+              <a:rPr lang="en-US" sz="3000" dirty="0">
+                <a:solidFill>
+                  <a:srgbClr val="343F56"/>
+                </a:solidFill>
+                <a:latin typeface="Roboto"/>
+              </a:rPr>
+              <a:t> Béla</a:t>
             </a:r>
           </a:p>
         </p:txBody>
@@ -3540,15 +3585,15 @@
         </p:nvSpPr>
         <p:spPr>
           <a:xfrm>
-            <a:off x="3889865" y="3457555"/>
-            <a:ext cx="10508269" cy="1859288"/>
-          </a:xfrm>
-          <a:prstGeom prst="rect">
-            <a:avLst/>
-          </a:prstGeom>
-        </p:spPr>
-        <p:txBody>
-          <a:bodyPr lIns="0" tIns="0" rIns="0" bIns="0" rtlCol="0" anchor="t">
+            <a:off x="2667000" y="3457555"/>
+            <a:ext cx="12344399" cy="1579278"/>
+          </a:xfrm>
+          <a:prstGeom prst="rect">
+            <a:avLst/>
+          </a:prstGeom>
+        </p:spPr>
+        <p:txBody>
+          <a:bodyPr wrap="square" lIns="0" tIns="0" rIns="0" bIns="0" rtlCol="0" anchor="t">
             <a:spAutoFit/>
           </a:bodyPr>
           <a:lstStyle/>
@@ -3559,14 +3604,20 @@
               </a:lnSpc>
             </a:pPr>
             <a:r>
-              <a:rPr lang="en-US" sz="10799">
+              <a:rPr lang="hu-HU" sz="6600" dirty="0">
                 <a:solidFill>
                   <a:srgbClr val="343F56"/>
                 </a:solidFill>
                 <a:latin typeface="Hagrid Heavy"/>
               </a:rPr>
-              <a:t>THANK YOU</a:t>
-            </a:r>
+              <a:t>KÖSZÖNÖM A FIGYELMET!</a:t>
+            </a:r>
+            <a:endParaRPr lang="en-US" sz="6600" dirty="0">
+              <a:solidFill>
+                <a:srgbClr val="343F56"/>
+              </a:solidFill>
+              <a:latin typeface="Hagrid Heavy"/>
+            </a:endParaRPr>
           </a:p>
         </p:txBody>
       </p:sp>
